--- a/assets/smt/HUB5m2c_example_v1.pptx
+++ b/assets/smt/HUB5m2c_example_v1.pptx
@@ -3135,18 +3135,7 @@
                 <a:ea typeface="华文宋体"/>
                 <a:cs typeface="Arial"/>
               </a:rPr>
-              <a:t>			You </a:t>
-            </a:r>
-            <a:r>
-              <a:rPr lang="en-US" altLang="zh-CN" sz="1600" dirty="0" smtClean="0">
-                <a:solidFill>
-                  <a:srgbClr val="222222"/>
-                </a:solidFill>
-                <a:latin typeface="Arial"/>
-                <a:ea typeface="华文宋体"/>
-                <a:cs typeface="Arial"/>
-              </a:rPr>
-              <a:t>get up so very early!</a:t>
+              <a:t>			You get up so very early!</a:t>
             </a:r>
             <a:br>
               <a:rPr lang="en-US" altLang="zh-CN" sz="1600" dirty="0" smtClean="0">
@@ -4997,7 +4986,18 @@
                 <a:ea typeface="Times New Roman"/>
                 <a:cs typeface="Times New Roman"/>
               </a:rPr>
-              <a:t>Mandarin		</a:t>
+              <a:t>Mandarin</a:t>
+            </a:r>
+            <a:r>
+              <a:rPr lang="en-SG" sz="1600" dirty="0" smtClean="0">
+                <a:solidFill>
+                  <a:srgbClr val="222222"/>
+                </a:solidFill>
+                <a:latin typeface="Arial"/>
+                <a:ea typeface="Times New Roman"/>
+                <a:cs typeface="Times New Roman"/>
+              </a:rPr>
+              <a:t>		</a:t>
             </a:r>
             <a:r>
               <a:rPr lang="zh-TW" altLang="en-US" sz="1600" dirty="0" smtClean="0">
@@ -5112,7 +5112,18 @@
                 <a:ea typeface="华文仿宋"/>
                 <a:cs typeface="Times New Roman"/>
               </a:rPr>
-              <a:t>Cantonese	</a:t>
+              <a:t>Cantonese</a:t>
+            </a:r>
+            <a:r>
+              <a:rPr lang="en-US" sz="1600" dirty="0" smtClean="0">
+                <a:solidFill>
+                  <a:srgbClr val="222222"/>
+                </a:solidFill>
+                <a:latin typeface="Arial"/>
+                <a:ea typeface="华文仿宋"/>
+                <a:cs typeface="Times New Roman"/>
+              </a:rPr>
+              <a:t>	</a:t>
             </a:r>
             <a:r>
               <a:rPr lang="zh-TW" altLang="en-US" sz="1600" dirty="0" smtClean="0">

--- a/assets/smt/HUB5m2c_example_v1.pptx
+++ b/assets/smt/HUB5m2c_example_v1.pptx
@@ -4271,9 +4271,6 @@
             </a:r>
             <a:r>
               <a:rPr lang="en-US" altLang="zh-CN" sz="1600" dirty="0" smtClean="0">
-                <a:solidFill>
-                  <a:srgbClr val="222222"/>
-                </a:solidFill>
                 <a:latin typeface="Arial"/>
                 <a:ea typeface="华文宋体"/>
                 <a:cs typeface="Arial"/>
@@ -4282,9 +4279,6 @@
             </a:r>
             <a:r>
               <a:rPr lang="en-US" altLang="zh-CN" sz="1600" dirty="0">
-                <a:solidFill>
-                  <a:srgbClr val="222222"/>
-                </a:solidFill>
                 <a:latin typeface="Arial"/>
                 <a:ea typeface="华文宋体"/>
                 <a:cs typeface="Arial"/>
@@ -4293,9 +4287,6 @@
             </a:r>
             <a:r>
               <a:rPr lang="en-US" altLang="zh-CN" sz="1600" dirty="0" smtClean="0">
-                <a:solidFill>
-                  <a:srgbClr val="222222"/>
-                </a:solidFill>
                 <a:latin typeface="Arial"/>
                 <a:ea typeface="华文宋体"/>
                 <a:cs typeface="Arial"/>
@@ -4304,14 +4295,22 @@
             </a:r>
             <a:r>
               <a:rPr lang="en-US" altLang="zh-CN" sz="1600" dirty="0">
-                <a:solidFill>
-                  <a:srgbClr val="222222"/>
-                </a:solidFill>
                 <a:latin typeface="Arial"/>
                 <a:ea typeface="华文宋体"/>
                 <a:cs typeface="Arial"/>
               </a:rPr>
               <a:t>face-wash this morning?</a:t>
+            </a:r>
+            <a:r>
+              <a:rPr lang="en-US" altLang="zh-CN" sz="1600" dirty="0">
+                <a:solidFill>
+                  <a:srgbClr val="222222"/>
+                </a:solidFill>
+                <a:latin typeface="Arial"/>
+                <a:ea typeface="华文宋体"/>
+                <a:cs typeface="Arial"/>
+              </a:rPr>
+              <a:t/>
             </a:r>
             <a:br>
               <a:rPr lang="en-US" altLang="zh-CN" sz="1600" dirty="0">
@@ -4986,18 +4985,7 @@
                 <a:ea typeface="Times New Roman"/>
                 <a:cs typeface="Times New Roman"/>
               </a:rPr>
-              <a:t>Mandarin</a:t>
-            </a:r>
-            <a:r>
-              <a:rPr lang="en-SG" sz="1600" dirty="0" smtClean="0">
-                <a:solidFill>
-                  <a:srgbClr val="222222"/>
-                </a:solidFill>
-                <a:latin typeface="Arial"/>
-                <a:ea typeface="Times New Roman"/>
-                <a:cs typeface="Times New Roman"/>
-              </a:rPr>
-              <a:t>		</a:t>
+              <a:t>Mandarin		</a:t>
             </a:r>
             <a:r>
               <a:rPr lang="zh-TW" altLang="en-US" sz="1600" dirty="0" smtClean="0">
@@ -5112,18 +5100,7 @@
                 <a:ea typeface="华文仿宋"/>
                 <a:cs typeface="Times New Roman"/>
               </a:rPr>
-              <a:t>Cantonese</a:t>
-            </a:r>
-            <a:r>
-              <a:rPr lang="en-US" sz="1600" dirty="0" smtClean="0">
-                <a:solidFill>
-                  <a:srgbClr val="222222"/>
-                </a:solidFill>
-                <a:latin typeface="Arial"/>
-                <a:ea typeface="华文仿宋"/>
-                <a:cs typeface="Times New Roman"/>
-              </a:rPr>
-              <a:t>	</a:t>
+              <a:t>Cantonese	</a:t>
             </a:r>
             <a:r>
               <a:rPr lang="zh-TW" altLang="en-US" sz="1600" dirty="0" smtClean="0">

--- a/assets/smt/HUB5m2c_example_v1.pptx
+++ b/assets/smt/HUB5m2c_example_v1.pptx
@@ -3112,7 +3112,7 @@
         <p:spPr>
           <a:xfrm>
             <a:off x="396008" y="1829710"/>
-            <a:ext cx="8640000" cy="2350779"/>
+            <a:ext cx="5126782" cy="2350779"/>
           </a:xfrm>
         </p:spPr>
         <p:txBody>
@@ -3617,7 +3617,7 @@
         <p:spPr>
           <a:xfrm>
             <a:off x="396008" y="2130111"/>
-            <a:ext cx="8640000" cy="2232000"/>
+            <a:ext cx="7367294" cy="2232000"/>
           </a:xfrm>
         </p:spPr>
         <p:txBody>
@@ -4372,7 +4372,7 @@
         <p:spPr>
           <a:xfrm>
             <a:off x="396008" y="1802401"/>
-            <a:ext cx="8640000" cy="2232000"/>
+            <a:ext cx="7724064" cy="2232000"/>
           </a:xfrm>
           <a:prstGeom prst="rect">
             <a:avLst/>
@@ -4943,8 +4943,8 @@
         </p:nvSpPr>
         <p:spPr>
           <a:xfrm>
-            <a:off x="396008" y="2250500"/>
-            <a:ext cx="8157149" cy="1800000"/>
+            <a:off x="396009" y="2250500"/>
+            <a:ext cx="6568130" cy="1800000"/>
           </a:xfrm>
           <a:prstGeom prst="rect">
             <a:avLst/>
@@ -5326,7 +5326,7 @@
         <p:spPr>
           <a:xfrm>
             <a:off x="396008" y="2314801"/>
-            <a:ext cx="8640000" cy="1800000"/>
+            <a:ext cx="5968758" cy="1800000"/>
           </a:xfrm>
           <a:prstGeom prst="rect">
             <a:avLst/>
